--- a/Semana 6/Presentación.pptx
+++ b/Semana 6/Presentación.pptx
@@ -214,7 +214,7 @@
           <a:p>
             <a:fld id="{430AAACB-714D-4ED6-9BCD-E10DE1E326CF}" type="datetimeFigureOut">
               <a:rPr lang="es-CO" smtClean="0"/>
-              <a:t>23/02/2020</a:t>
+              <a:t>26/02/2020</a:t>
             </a:fld>
             <a:endParaRPr lang="es-CO"/>
           </a:p>
@@ -373,7 +373,7 @@
           <a:p>
             <a:fld id="{B81D652A-642D-4AF5-99C3-EB7445F78768}" type="slidenum">
               <a:rPr lang="es-CO" smtClean="0"/>
-              <a:t>‹#›</a:t>
+              <a:t>‹Nº›</a:t>
             </a:fld>
             <a:endParaRPr lang="es-CO"/>
           </a:p>
@@ -708,7 +708,7 @@
           <a:p>
             <a:fld id="{C214C790-AC43-4046-BAB7-879940BCF0AB}" type="datetimeFigureOut">
               <a:rPr lang="es-CO" smtClean="0"/>
-              <a:t>23/02/2020</a:t>
+              <a:t>26/02/2020</a:t>
             </a:fld>
             <a:endParaRPr lang="es-CO"/>
           </a:p>
@@ -750,7 +750,7 @@
           <a:p>
             <a:fld id="{566F944B-B6B4-43C3-BE7E-AF6D8C6774D1}" type="slidenum">
               <a:rPr lang="es-CO" smtClean="0"/>
-              <a:t>‹#›</a:t>
+              <a:t>‹Nº›</a:t>
             </a:fld>
             <a:endParaRPr lang="es-CO"/>
           </a:p>
@@ -916,7 +916,7 @@
           <a:p>
             <a:fld id="{C214C790-AC43-4046-BAB7-879940BCF0AB}" type="datetimeFigureOut">
               <a:rPr lang="es-CO" smtClean="0"/>
-              <a:t>23/02/2020</a:t>
+              <a:t>26/02/2020</a:t>
             </a:fld>
             <a:endParaRPr lang="es-CO"/>
           </a:p>
@@ -958,7 +958,7 @@
           <a:p>
             <a:fld id="{566F944B-B6B4-43C3-BE7E-AF6D8C6774D1}" type="slidenum">
               <a:rPr lang="es-CO" smtClean="0"/>
-              <a:t>‹#›</a:t>
+              <a:t>‹Nº›</a:t>
             </a:fld>
             <a:endParaRPr lang="es-CO"/>
           </a:p>
@@ -1172,7 +1172,7 @@
           <a:p>
             <a:fld id="{C214C790-AC43-4046-BAB7-879940BCF0AB}" type="datetimeFigureOut">
               <a:rPr lang="es-CO" smtClean="0"/>
-              <a:t>23/02/2020</a:t>
+              <a:t>26/02/2020</a:t>
             </a:fld>
             <a:endParaRPr lang="es-CO"/>
           </a:p>
@@ -1214,7 +1214,7 @@
           <a:p>
             <a:fld id="{566F944B-B6B4-43C3-BE7E-AF6D8C6774D1}" type="slidenum">
               <a:rPr lang="es-CO" smtClean="0"/>
-              <a:t>‹#›</a:t>
+              <a:t>‹Nº›</a:t>
             </a:fld>
             <a:endParaRPr lang="es-CO"/>
           </a:p>
@@ -1342,7 +1342,7 @@
           <a:p>
             <a:fld id="{C214C790-AC43-4046-BAB7-879940BCF0AB}" type="datetimeFigureOut">
               <a:rPr lang="es-CO" smtClean="0"/>
-              <a:t>23/02/2020</a:t>
+              <a:t>26/02/2020</a:t>
             </a:fld>
             <a:endParaRPr lang="es-CO"/>
           </a:p>
@@ -1384,7 +1384,7 @@
           <a:p>
             <a:fld id="{566F944B-B6B4-43C3-BE7E-AF6D8C6774D1}" type="slidenum">
               <a:rPr lang="es-CO" smtClean="0"/>
-              <a:t>‹#›</a:t>
+              <a:t>‹Nº›</a:t>
             </a:fld>
             <a:endParaRPr lang="es-CO"/>
           </a:p>
@@ -1685,7 +1685,7 @@
           <a:p>
             <a:fld id="{C214C790-AC43-4046-BAB7-879940BCF0AB}" type="datetimeFigureOut">
               <a:rPr lang="es-CO" smtClean="0"/>
-              <a:t>23/02/2020</a:t>
+              <a:t>26/02/2020</a:t>
             </a:fld>
             <a:endParaRPr lang="es-CO"/>
           </a:p>
@@ -1727,7 +1727,7 @@
           <a:p>
             <a:fld id="{566F944B-B6B4-43C3-BE7E-AF6D8C6774D1}" type="slidenum">
               <a:rPr lang="es-CO" smtClean="0"/>
-              <a:t>‹#›</a:t>
+              <a:t>‹Nº›</a:t>
             </a:fld>
             <a:endParaRPr lang="es-CO"/>
           </a:p>
@@ -1960,7 +1960,7 @@
           <a:p>
             <a:fld id="{C214C790-AC43-4046-BAB7-879940BCF0AB}" type="datetimeFigureOut">
               <a:rPr lang="es-CO" smtClean="0"/>
-              <a:t>23/02/2020</a:t>
+              <a:t>26/02/2020</a:t>
             </a:fld>
             <a:endParaRPr lang="es-CO"/>
           </a:p>
@@ -2002,7 +2002,7 @@
           <a:p>
             <a:fld id="{566F944B-B6B4-43C3-BE7E-AF6D8C6774D1}" type="slidenum">
               <a:rPr lang="es-CO" smtClean="0"/>
-              <a:t>‹#›</a:t>
+              <a:t>‹Nº›</a:t>
             </a:fld>
             <a:endParaRPr lang="es-CO"/>
           </a:p>
@@ -2339,7 +2339,7 @@
           <a:p>
             <a:fld id="{C214C790-AC43-4046-BAB7-879940BCF0AB}" type="datetimeFigureOut">
               <a:rPr lang="es-CO" smtClean="0"/>
-              <a:t>23/02/2020</a:t>
+              <a:t>26/02/2020</a:t>
             </a:fld>
             <a:endParaRPr lang="es-CO"/>
           </a:p>
@@ -2381,7 +2381,7 @@
           <a:p>
             <a:fld id="{566F944B-B6B4-43C3-BE7E-AF6D8C6774D1}" type="slidenum">
               <a:rPr lang="es-CO" smtClean="0"/>
-              <a:t>‹#›</a:t>
+              <a:t>‹Nº›</a:t>
             </a:fld>
             <a:endParaRPr lang="es-CO"/>
           </a:p>
@@ -2457,7 +2457,7 @@
           <a:p>
             <a:fld id="{C214C790-AC43-4046-BAB7-879940BCF0AB}" type="datetimeFigureOut">
               <a:rPr lang="es-CO" smtClean="0"/>
-              <a:t>23/02/2020</a:t>
+              <a:t>26/02/2020</a:t>
             </a:fld>
             <a:endParaRPr lang="es-CO"/>
           </a:p>
@@ -2499,7 +2499,7 @@
           <a:p>
             <a:fld id="{566F944B-B6B4-43C3-BE7E-AF6D8C6774D1}" type="slidenum">
               <a:rPr lang="es-CO" smtClean="0"/>
-              <a:t>‹#›</a:t>
+              <a:t>‹Nº›</a:t>
             </a:fld>
             <a:endParaRPr lang="es-CO"/>
           </a:p>
@@ -2628,7 +2628,7 @@
           <a:p>
             <a:fld id="{C214C790-AC43-4046-BAB7-879940BCF0AB}" type="datetimeFigureOut">
               <a:rPr lang="es-CO" smtClean="0"/>
-              <a:t>23/02/2020</a:t>
+              <a:t>26/02/2020</a:t>
             </a:fld>
             <a:endParaRPr lang="es-CO"/>
           </a:p>
@@ -2678,7 +2678,7 @@
           <a:p>
             <a:fld id="{566F944B-B6B4-43C3-BE7E-AF6D8C6774D1}" type="slidenum">
               <a:rPr lang="es-CO" smtClean="0"/>
-              <a:t>‹#›</a:t>
+              <a:t>‹Nº›</a:t>
             </a:fld>
             <a:endParaRPr lang="es-CO"/>
           </a:p>
@@ -2982,7 +2982,7 @@
           <a:p>
             <a:fld id="{C214C790-AC43-4046-BAB7-879940BCF0AB}" type="datetimeFigureOut">
               <a:rPr lang="es-CO" smtClean="0"/>
-              <a:t>23/02/2020</a:t>
+              <a:t>26/02/2020</a:t>
             </a:fld>
             <a:endParaRPr lang="es-CO"/>
           </a:p>
@@ -3045,7 +3045,7 @@
           <a:p>
             <a:fld id="{566F944B-B6B4-43C3-BE7E-AF6D8C6774D1}" type="slidenum">
               <a:rPr lang="es-CO" smtClean="0"/>
-              <a:t>‹#›</a:t>
+              <a:t>‹Nº›</a:t>
             </a:fld>
             <a:endParaRPr lang="es-CO"/>
           </a:p>
@@ -3359,7 +3359,7 @@
           <a:p>
             <a:fld id="{C214C790-AC43-4046-BAB7-879940BCF0AB}" type="datetimeFigureOut">
               <a:rPr lang="es-CO" smtClean="0"/>
-              <a:t>23/02/2020</a:t>
+              <a:t>26/02/2020</a:t>
             </a:fld>
             <a:endParaRPr lang="es-CO"/>
           </a:p>
@@ -3401,7 +3401,7 @@
           <a:p>
             <a:fld id="{566F944B-B6B4-43C3-BE7E-AF6D8C6774D1}" type="slidenum">
               <a:rPr lang="es-CO" smtClean="0"/>
-              <a:t>‹#›</a:t>
+              <a:t>‹Nº›</a:t>
             </a:fld>
             <a:endParaRPr lang="es-CO"/>
           </a:p>
@@ -3646,7 +3646,7 @@
           <a:p>
             <a:fld id="{C214C790-AC43-4046-BAB7-879940BCF0AB}" type="datetimeFigureOut">
               <a:rPr lang="es-CO" smtClean="0"/>
-              <a:t>23/02/2020</a:t>
+              <a:t>26/02/2020</a:t>
             </a:fld>
             <a:endParaRPr lang="es-CO"/>
           </a:p>
@@ -3720,7 +3720,7 @@
           <a:p>
             <a:fld id="{566F944B-B6B4-43C3-BE7E-AF6D8C6774D1}" type="slidenum">
               <a:rPr lang="es-CO" smtClean="0"/>
-              <a:t>‹#›</a:t>
+              <a:t>‹Nº›</a:t>
             </a:fld>
             <a:endParaRPr lang="es-CO"/>
           </a:p>
@@ -4286,7 +4286,7 @@
         <p:spPr/>
         <p:txBody>
           <a:bodyPr vert="horz" lIns="0" tIns="45720" rIns="0" bIns="45720" rtlCol="0" anchor="t">
-            <a:normAutofit fontScale="92500" lnSpcReduction="20000"/>
+            <a:normAutofit/>
           </a:bodyPr>
           <a:lstStyle/>
           <a:p>
@@ -4294,101 +4294,134 @@
               <a:buNone/>
             </a:pPr>
             <a:r>
-              <a:rPr lang="es-ES" b="1" dirty="0"/>
-              <a:t>CLIENTE</a:t>
-            </a:r>
-          </a:p>
-          <a:p>
-            <a:pPr>
-              <a:buFont typeface="Wingdings" panose="05000000000000000000" pitchFamily="2" charset="2"/>
-              <a:buChar char="Ø"/>
+              <a:rPr lang="es-ES" dirty="0"/>
+              <a:t>4. Diseñe la ventana de chat en el cliente, de modo que pueda alojar el chat comunitario desarrollado en clase, y un modo de </a:t>
+            </a:r>
+            <a:r>
+              <a:rPr lang="es-ES" b="1" i="1" dirty="0" err="1" smtClean="0"/>
+              <a:t>inbox</a:t>
+            </a:r>
+            <a:r>
+              <a:rPr lang="es-ES" b="1" i="1" dirty="0" smtClean="0"/>
+              <a:t>. </a:t>
+            </a:r>
+            <a:r>
+              <a:rPr lang="es-ES" dirty="0" smtClean="0"/>
+              <a:t>(1 punto)</a:t>
+            </a:r>
+          </a:p>
+          <a:p>
+            <a:pPr marL="0" indent="0">
+              <a:buNone/>
             </a:pPr>
-            <a:r>
-              <a:rPr lang="es-ES" dirty="0"/>
-              <a:t>Diseñe la ventana de chat en el cliente de modo alojar un chat comunitario, pero agregue un modo de chat en privado.</a:t>
-            </a:r>
-            <a:endParaRPr lang="es-ES">
-              <a:cs typeface="Calibri"/>
+            <a:endParaRPr lang="es-ES" dirty="0" smtClean="0">
+              <a:cs typeface="Calibri" panose="020F0502020204030204"/>
             </a:endParaRPr>
           </a:p>
           <a:p>
-            <a:pPr>
-              <a:buFont typeface="Wingdings" panose="05000000000000000000" pitchFamily="2" charset="2"/>
-              <a:buChar char="Ø"/>
+            <a:pPr marL="0" indent="0">
+              <a:buNone/>
             </a:pPr>
+            <a:r>
+              <a:rPr lang="es-ES" dirty="0" smtClean="0">
+                <a:cs typeface="Calibri" panose="020F0502020204030204"/>
+              </a:rPr>
+              <a:t>5. Para </a:t>
+            </a:r>
             <a:r>
               <a:rPr lang="es-ES" dirty="0">
                 <a:cs typeface="Calibri" panose="020F0502020204030204"/>
               </a:rPr>
-              <a:t>Para esto, use los identificadores, nombres de usuario o alguna característica distintiva de cada usuario</a:t>
+              <a:t>esto, </a:t>
+            </a:r>
+            <a:r>
+              <a:rPr lang="es-ES" dirty="0" smtClean="0">
+                <a:cs typeface="Calibri" panose="020F0502020204030204"/>
+              </a:rPr>
+              <a:t>haga las modificaciones necesarias de modo que el </a:t>
+            </a:r>
+            <a:r>
+              <a:rPr lang="es-ES" b="1" i="1" dirty="0" smtClean="0">
+                <a:cs typeface="Calibri" panose="020F0502020204030204"/>
+              </a:rPr>
+              <a:t>usuario pueda seleccionar la persona con la que quiere chatear. </a:t>
+            </a:r>
+            <a:r>
+              <a:rPr lang="es-ES" dirty="0" smtClean="0">
+                <a:cs typeface="Calibri" panose="020F0502020204030204"/>
+              </a:rPr>
+              <a:t>(1 punto)</a:t>
             </a:r>
             <a:endParaRPr lang="es-ES" dirty="0"/>
-          </a:p>
-          <a:p>
-            <a:pPr>
-              <a:buFont typeface="Wingdings" panose="05000000000000000000" pitchFamily="2" charset="2"/>
-              <a:buChar char="Ø"/>
-            </a:pPr>
-            <a:r>
-              <a:rPr lang="es-ES" dirty="0"/>
-              <a:t>Luego de seleccionarlo, puede enviarle mensajes privados a esa persona.</a:t>
-            </a:r>
-            <a:endParaRPr lang="es-ES" b="1"/>
           </a:p>
           <a:p>
             <a:pPr marL="0" indent="0">
               <a:buNone/>
             </a:pPr>
-            <a:r>
-              <a:rPr lang="es-ES" b="1" dirty="0"/>
-              <a:t>SEVIDOR</a:t>
-            </a:r>
-            <a:endParaRPr lang="es-ES" b="1">
-              <a:cs typeface="Calibri"/>
-            </a:endParaRPr>
-          </a:p>
-          <a:p>
-            <a:pPr>
-              <a:buFont typeface="Wingdings" panose="05000000000000000000" pitchFamily="2" charset="2"/>
-              <a:buChar char="Ø"/>
-            </a:pPr>
-            <a:r>
-              <a:rPr lang="es-ES" dirty="0"/>
-              <a:t>Cree o reestructure un modelo para soportar la funcionalidad de chat privado (1 punto)</a:t>
-            </a:r>
-            <a:endParaRPr lang="es-ES" b="1" dirty="0"/>
-          </a:p>
-          <a:p>
-            <a:pPr>
-              <a:buFont typeface="Wingdings" panose="05000000000000000000" pitchFamily="2" charset="2"/>
-              <a:buChar char="Ø"/>
-            </a:pPr>
-            <a:r>
-              <a:rPr lang="es-ES" dirty="0"/>
-              <a:t>La persona que recibe el mensaje, lo recibe con alguna indicación en texto (1 punto):</a:t>
-            </a:r>
+            <a:endParaRPr lang="es-ES" b="1" dirty="0" smtClean="0"/>
           </a:p>
           <a:p>
             <a:pPr marL="0" indent="0">
               <a:buNone/>
             </a:pPr>
             <a:r>
-              <a:rPr lang="es-ES" b="1" dirty="0"/>
-              <a:t>(Cristian te ha enviado un mensaje directo): </a:t>
-            </a:r>
-            <a:endParaRPr lang="es-ES" b="1">
-              <a:cs typeface="Calibri"/>
-            </a:endParaRPr>
+              <a:rPr lang="es-ES" dirty="0" smtClean="0"/>
+              <a:t>6. Cree </a:t>
+            </a:r>
+            <a:r>
+              <a:rPr lang="es-ES" dirty="0"/>
+              <a:t>o reestructure un modelo para soportar la funcionalidad de </a:t>
+            </a:r>
+            <a:r>
+              <a:rPr lang="es-ES" b="1" i="1" dirty="0" err="1" smtClean="0"/>
+              <a:t>inbox</a:t>
+            </a:r>
+            <a:r>
+              <a:rPr lang="es-ES" b="1" i="1" smtClean="0"/>
+              <a:t>. </a:t>
+            </a:r>
+            <a:r>
+              <a:rPr lang="es-ES" dirty="0" smtClean="0"/>
+              <a:t>(0.5 puntos)</a:t>
+            </a:r>
           </a:p>
           <a:p>
             <a:pPr marL="0" indent="0">
               <a:buNone/>
             </a:pPr>
-            <a:r>
-              <a:rPr lang="es-ES" b="1" dirty="0"/>
-              <a:t>      Hola César</a:t>
-            </a:r>
             <a:endParaRPr lang="es-ES" dirty="0"/>
+          </a:p>
+          <a:p>
+            <a:pPr marL="0" indent="0">
+              <a:buNone/>
+            </a:pPr>
+            <a:r>
+              <a:rPr lang="es-ES" dirty="0" smtClean="0"/>
+              <a:t>Consejo: Use la misma clase </a:t>
+            </a:r>
+            <a:r>
+              <a:rPr lang="es-ES" dirty="0" err="1" smtClean="0"/>
+              <a:t>ChatWindow</a:t>
+            </a:r>
+            <a:r>
+              <a:rPr lang="es-ES" dirty="0" smtClean="0"/>
+              <a:t> para poder añadir la funcionalidad de </a:t>
+            </a:r>
+            <a:r>
+              <a:rPr lang="es-ES" b="1" i="1" dirty="0" err="1" smtClean="0"/>
+              <a:t>inbox</a:t>
+            </a:r>
+            <a:r>
+              <a:rPr lang="es-ES" dirty="0" smtClean="0"/>
+              <a:t>, no requiere que agregue otra ventana</a:t>
+            </a:r>
+            <a:endParaRPr lang="es-ES" b="1" i="1" dirty="0"/>
+          </a:p>
+          <a:p>
+            <a:pPr marL="0" indent="0">
+              <a:buNone/>
+            </a:pPr>
+            <a:endParaRPr lang="es-ES" dirty="0" smtClean="0"/>
           </a:p>
         </p:txBody>
       </p:sp>
@@ -10677,8 +10710,8 @@
           <a:lstStyle/>
           <a:p>
             <a:r>
-              <a:rPr lang="es-ES" dirty="0"/>
-              <a:t>Ejercicio en clase</a:t>
+              <a:rPr lang="es-ES" dirty="0" smtClean="0"/>
+              <a:t>Taller 2</a:t>
             </a:r>
             <a:endParaRPr lang="es-CO" dirty="0"/>
           </a:p>
@@ -10696,68 +10729,133 @@
         </p:nvSpPr>
         <p:spPr/>
         <p:txBody>
-          <a:bodyPr/>
-          <a:lstStyle/>
-          <a:p>
-            <a:pPr>
-              <a:buFont typeface="Wingdings" panose="05000000000000000000" pitchFamily="2" charset="2"/>
-              <a:buChar char="Ø"/>
-            </a:pPr>
-            <a:r>
-              <a:rPr lang="es-ES" dirty="0"/>
-              <a:t>Cree un servidor </a:t>
-            </a:r>
-            <a:r>
-              <a:rPr lang="es-ES" dirty="0" err="1"/>
-              <a:t>multihilos</a:t>
-            </a:r>
-            <a:r>
-              <a:rPr lang="es-ES" dirty="0"/>
-              <a:t> que permita saber en todo momento cuántos clientes tiene conectados.</a:t>
-            </a:r>
-          </a:p>
-          <a:p>
-            <a:pPr>
-              <a:buFont typeface="Wingdings" panose="05000000000000000000" pitchFamily="2" charset="2"/>
-              <a:buChar char="Ø"/>
-            </a:pPr>
-            <a:endParaRPr lang="es-ES" dirty="0"/>
-          </a:p>
-          <a:p>
-            <a:pPr>
-              <a:buFont typeface="Wingdings" panose="05000000000000000000" pitchFamily="2" charset="2"/>
-              <a:buChar char="Ø"/>
-            </a:pPr>
-            <a:r>
-              <a:rPr lang="es-ES" dirty="0"/>
-              <a:t>Logre hacer que un mensaje llegue a todos los demás clientes que se encuentran </a:t>
-            </a:r>
-            <a:r>
-              <a:rPr lang="es-ES"/>
-              <a:t>conectados.</a:t>
-            </a:r>
-          </a:p>
-          <a:p>
-            <a:pPr>
-              <a:buFont typeface="Wingdings" panose="05000000000000000000" pitchFamily="2" charset="2"/>
-              <a:buChar char="Ø"/>
-            </a:pPr>
-            <a:endParaRPr lang="es-ES" dirty="0"/>
-          </a:p>
-          <a:p>
-            <a:pPr>
-              <a:buFont typeface="Wingdings" panose="05000000000000000000" pitchFamily="2" charset="2"/>
-              <a:buChar char="Ø"/>
-            </a:pPr>
-            <a:r>
-              <a:rPr lang="es-ES" dirty="0"/>
-              <a:t>Cuando alguien se desconecte, genere un mensaje que llegue a todos los clientes que informe quién fue el que se desconectó.</a:t>
-            </a:r>
-          </a:p>
+          <a:bodyPr>
+            <a:normAutofit fontScale="92500" lnSpcReduction="10000"/>
+          </a:bodyPr>
+          <a:lstStyle/>
           <a:p>
             <a:pPr marL="0" indent="0">
               <a:buNone/>
             </a:pPr>
+            <a:r>
+              <a:rPr lang="es-ES" dirty="0" smtClean="0"/>
+              <a:t>Use el servidor </a:t>
+            </a:r>
+            <a:r>
+              <a:rPr lang="es-ES" dirty="0" err="1" smtClean="0"/>
+              <a:t>multihilos</a:t>
+            </a:r>
+            <a:r>
+              <a:rPr lang="es-ES" dirty="0" smtClean="0"/>
+              <a:t> y el cliente MVC desarrollado en clase para realizar lo siguiente:</a:t>
+            </a:r>
+          </a:p>
+          <a:p>
+            <a:pPr marL="0" indent="0">
+              <a:buNone/>
+            </a:pPr>
+            <a:endParaRPr lang="es-ES" dirty="0" smtClean="0"/>
+          </a:p>
+          <a:p>
+            <a:pPr marL="0" indent="0">
+              <a:buNone/>
+            </a:pPr>
+            <a:r>
+              <a:rPr lang="es-ES" dirty="0" smtClean="0"/>
+              <a:t>1. Cree </a:t>
+            </a:r>
+            <a:r>
+              <a:rPr lang="es-ES" dirty="0"/>
+              <a:t>un servidor </a:t>
+            </a:r>
+            <a:r>
+              <a:rPr lang="es-ES" dirty="0" err="1"/>
+              <a:t>multihilos</a:t>
+            </a:r>
+            <a:r>
+              <a:rPr lang="es-ES" dirty="0"/>
+              <a:t> que permita saber en todo momento </a:t>
+            </a:r>
+            <a:r>
+              <a:rPr lang="es-ES" b="1" i="1" dirty="0"/>
+              <a:t>cuántos clientes tiene conectados</a:t>
+            </a:r>
+            <a:r>
+              <a:rPr lang="es-ES" dirty="0" smtClean="0"/>
+              <a:t>. (0.5 puntos)</a:t>
+            </a:r>
+            <a:endParaRPr lang="es-ES" dirty="0"/>
+          </a:p>
+          <a:p>
+            <a:pPr marL="0" indent="0">
+              <a:buNone/>
+            </a:pPr>
+            <a:endParaRPr lang="es-ES" dirty="0" smtClean="0"/>
+          </a:p>
+          <a:p>
+            <a:pPr marL="0" indent="0">
+              <a:buNone/>
+            </a:pPr>
+            <a:r>
+              <a:rPr lang="es-ES" dirty="0" smtClean="0"/>
+              <a:t>2. Haga que el servidor detecte una desconexión de los clientes. El contador del punto 1 debe también cambiar acorde al número de conexiones actuales. Las conexiones que finalicen deben salir de la </a:t>
+            </a:r>
+            <a:r>
+              <a:rPr lang="es-ES" b="1" i="1" dirty="0" smtClean="0"/>
+              <a:t>colección de conexiones. </a:t>
+            </a:r>
+            <a:r>
+              <a:rPr lang="es-ES" dirty="0" smtClean="0"/>
+              <a:t>(1 punto)</a:t>
+            </a:r>
+            <a:endParaRPr lang="es-ES" b="1" i="1" dirty="0" smtClean="0"/>
+          </a:p>
+          <a:p>
+            <a:pPr marL="0" indent="0">
+              <a:buNone/>
+            </a:pPr>
+            <a:endParaRPr lang="es-ES" dirty="0" smtClean="0"/>
+          </a:p>
+          <a:p>
+            <a:pPr marL="0" indent="0">
+              <a:buNone/>
+            </a:pPr>
+            <a:r>
+              <a:rPr lang="es-ES" dirty="0" smtClean="0"/>
+              <a:t>3. </a:t>
+            </a:r>
+            <a:r>
+              <a:rPr lang="es-ES" dirty="0"/>
+              <a:t>Cuando alguien se desconecte, genere </a:t>
+            </a:r>
+            <a:r>
+              <a:rPr lang="es-ES" b="1" i="1" dirty="0"/>
+              <a:t>un mensaje que llegue a todos </a:t>
+            </a:r>
+            <a:r>
+              <a:rPr lang="es-ES" dirty="0"/>
+              <a:t>los clientes que informe quién fue el que se </a:t>
+            </a:r>
+            <a:r>
+              <a:rPr lang="es-ES" dirty="0" smtClean="0"/>
+              <a:t>desconectó. (</a:t>
+            </a:r>
+            <a:r>
+              <a:rPr lang="es-ES" dirty="0"/>
+              <a:t>1</a:t>
+            </a:r>
+            <a:r>
+              <a:rPr lang="es-ES" dirty="0" smtClean="0"/>
+              <a:t> </a:t>
+            </a:r>
+            <a:r>
+              <a:rPr lang="es-ES" dirty="0"/>
+              <a:t>puntos</a:t>
+            </a:r>
+            <a:r>
+              <a:rPr lang="es-ES" dirty="0" smtClean="0"/>
+              <a:t>)</a:t>
+            </a:r>
             <a:endParaRPr lang="es-ES" dirty="0"/>
           </a:p>
         </p:txBody>
